--- a/Calculator Icon.pptx
+++ b/Calculator Icon.pptx
@@ -7,7 +7,8 @@
   <p:sldIdLst>
     <p:sldId id="256" r:id="rId2"/>
     <p:sldId id="257" r:id="rId3"/>
-    <p:sldId id="258" r:id="rId4"/>
+    <p:sldId id="259" r:id="rId4"/>
+    <p:sldId id="258" r:id="rId5"/>
   </p:sldIdLst>
   <p:sldSz cx="12192000" cy="6858000"/>
   <p:notesSz cx="6858000" cy="9144000"/>
@@ -106,6 +107,11 @@
       </a:defRPr>
     </a:lvl9pPr>
   </p:defaultTextStyle>
+  <p:extLst>
+    <p:ext uri="{EFAFB233-063F-42B5-8137-9DF3F51BA10A}">
+      <p15:sldGuideLst xmlns:p15="http://schemas.microsoft.com/office/powerpoint/2012/main"/>
+    </p:ext>
+  </p:extLst>
 </p:presentation>
 </file>
 
@@ -255,7 +261,7 @@
           <a:lstStyle/>
           <a:p>
             <a:fld id="{196D135C-6657-BE4A-83DB-AE8301C1903A}" type="datetimeFigureOut">
-              <a:t>12/7/24</a:t>
+              <a:t>12/12/24</a:t>
             </a:fld>
             <a:endParaRPr lang="en-US"/>
           </a:p>
@@ -451,7 +457,7 @@
           <a:lstStyle/>
           <a:p>
             <a:fld id="{196D135C-6657-BE4A-83DB-AE8301C1903A}" type="datetimeFigureOut">
-              <a:t>12/7/24</a:t>
+              <a:t>12/12/24</a:t>
             </a:fld>
             <a:endParaRPr lang="en-US"/>
           </a:p>
@@ -657,7 +663,7 @@
           <a:lstStyle/>
           <a:p>
             <a:fld id="{196D135C-6657-BE4A-83DB-AE8301C1903A}" type="datetimeFigureOut">
-              <a:t>12/7/24</a:t>
+              <a:t>12/12/24</a:t>
             </a:fld>
             <a:endParaRPr lang="en-US"/>
           </a:p>
@@ -853,7 +859,7 @@
           <a:lstStyle/>
           <a:p>
             <a:fld id="{196D135C-6657-BE4A-83DB-AE8301C1903A}" type="datetimeFigureOut">
-              <a:t>12/7/24</a:t>
+              <a:t>12/12/24</a:t>
             </a:fld>
             <a:endParaRPr lang="en-US"/>
           </a:p>
@@ -1126,7 +1132,7 @@
           <a:lstStyle/>
           <a:p>
             <a:fld id="{196D135C-6657-BE4A-83DB-AE8301C1903A}" type="datetimeFigureOut">
-              <a:t>12/7/24</a:t>
+              <a:t>12/12/24</a:t>
             </a:fld>
             <a:endParaRPr lang="en-US"/>
           </a:p>
@@ -1389,7 +1395,7 @@
           <a:lstStyle/>
           <a:p>
             <a:fld id="{196D135C-6657-BE4A-83DB-AE8301C1903A}" type="datetimeFigureOut">
-              <a:t>12/7/24</a:t>
+              <a:t>12/12/24</a:t>
             </a:fld>
             <a:endParaRPr lang="en-US"/>
           </a:p>
@@ -1799,7 +1805,7 @@
           <a:lstStyle/>
           <a:p>
             <a:fld id="{196D135C-6657-BE4A-83DB-AE8301C1903A}" type="datetimeFigureOut">
-              <a:t>12/7/24</a:t>
+              <a:t>12/12/24</a:t>
             </a:fld>
             <a:endParaRPr lang="en-US"/>
           </a:p>
@@ -1938,7 +1944,7 @@
           <a:lstStyle/>
           <a:p>
             <a:fld id="{196D135C-6657-BE4A-83DB-AE8301C1903A}" type="datetimeFigureOut">
-              <a:t>12/7/24</a:t>
+              <a:t>12/12/24</a:t>
             </a:fld>
             <a:endParaRPr lang="en-US"/>
           </a:p>
@@ -2049,7 +2055,7 @@
           <a:lstStyle/>
           <a:p>
             <a:fld id="{196D135C-6657-BE4A-83DB-AE8301C1903A}" type="datetimeFigureOut">
-              <a:t>12/7/24</a:t>
+              <a:t>12/12/24</a:t>
             </a:fld>
             <a:endParaRPr lang="en-US"/>
           </a:p>
@@ -2358,7 +2364,7 @@
           <a:lstStyle/>
           <a:p>
             <a:fld id="{196D135C-6657-BE4A-83DB-AE8301C1903A}" type="datetimeFigureOut">
-              <a:t>12/7/24</a:t>
+              <a:t>12/12/24</a:t>
             </a:fld>
             <a:endParaRPr lang="en-US"/>
           </a:p>
@@ -2644,7 +2650,7 @@
           <a:lstStyle/>
           <a:p>
             <a:fld id="{196D135C-6657-BE4A-83DB-AE8301C1903A}" type="datetimeFigureOut">
-              <a:t>12/7/24</a:t>
+              <a:t>12/12/24</a:t>
             </a:fld>
             <a:endParaRPr lang="en-US"/>
           </a:p>
@@ -2883,7 +2889,7 @@
           </a:lstStyle>
           <a:p>
             <a:fld id="{196D135C-6657-BE4A-83DB-AE8301C1903A}" type="datetimeFigureOut">
-              <a:t>12/7/24</a:t>
+              <a:t>12/12/24</a:t>
             </a:fld>
             <a:endParaRPr lang="en-US"/>
           </a:p>
@@ -4595,6 +4601,746 @@
           <a:chExt cx="0" cy="0"/>
         </a:xfrm>
       </p:grpSpPr>
+      <p:pic>
+        <p:nvPicPr>
+          <p:cNvPr id="3" name="Picture 2">
+            <a:extLst>
+              <a:ext uri="{FF2B5EF4-FFF2-40B4-BE49-F238E27FC236}">
+                <a16:creationId xmlns:a16="http://schemas.microsoft.com/office/drawing/2014/main" id="{D35D73A7-9B92-2535-DA80-48EF62617091}"/>
+              </a:ext>
+            </a:extLst>
+          </p:cNvPr>
+          <p:cNvPicPr>
+            <a:picLocks noChangeAspect="1"/>
+          </p:cNvPicPr>
+          <p:nvPr/>
+        </p:nvPicPr>
+        <p:blipFill>
+          <a:blip r:embed="rId2"/>
+          <a:stretch>
+            <a:fillRect/>
+          </a:stretch>
+        </p:blipFill>
+        <p:spPr>
+          <a:xfrm>
+            <a:off x="-2536592" y="730278"/>
+            <a:ext cx="5871817" cy="5871817"/>
+          </a:xfrm>
+          <a:prstGeom prst="rect">
+            <a:avLst/>
+          </a:prstGeom>
+          <a:ln>
+            <a:solidFill>
+              <a:srgbClr val="2F333E"/>
+            </a:solidFill>
+          </a:ln>
+        </p:spPr>
+      </p:pic>
+      <p:sp>
+        <p:nvSpPr>
+          <p:cNvPr id="16" name="Rectangle 15">
+            <a:extLst>
+              <a:ext uri="{FF2B5EF4-FFF2-40B4-BE49-F238E27FC236}">
+                <a16:creationId xmlns:a16="http://schemas.microsoft.com/office/drawing/2014/main" id="{096C7D82-7B8E-BE04-4814-07A01C20846E}"/>
+              </a:ext>
+            </a:extLst>
+          </p:cNvPr>
+          <p:cNvSpPr/>
+          <p:nvPr/>
+        </p:nvSpPr>
+        <p:spPr>
+          <a:xfrm>
+            <a:off x="5920977" y="796887"/>
+            <a:ext cx="5871600" cy="5871600"/>
+          </a:xfrm>
+          <a:prstGeom prst="rect">
+            <a:avLst/>
+          </a:prstGeom>
+          <a:solidFill>
+            <a:srgbClr val="EDF0F2"/>
+          </a:solidFill>
+          <a:ln>
+            <a:solidFill>
+              <a:srgbClr val="2F333E"/>
+            </a:solidFill>
+          </a:ln>
+        </p:spPr>
+        <p:style>
+          <a:lnRef idx="2">
+            <a:schemeClr val="accent1">
+              <a:shade val="15000"/>
+            </a:schemeClr>
+          </a:lnRef>
+          <a:fillRef idx="1">
+            <a:schemeClr val="accent1"/>
+          </a:fillRef>
+          <a:effectRef idx="0">
+            <a:schemeClr val="accent1"/>
+          </a:effectRef>
+          <a:fontRef idx="minor">
+            <a:schemeClr val="lt1"/>
+          </a:fontRef>
+        </p:style>
+        <p:txBody>
+          <a:bodyPr rtlCol="0" anchor="ctr"/>
+          <a:lstStyle/>
+          <a:p>
+            <a:pPr algn="ctr"/>
+            <a:endParaRPr lang="en-US"/>
+          </a:p>
+        </p:txBody>
+      </p:sp>
+      <p:cxnSp>
+        <p:nvCxnSpPr>
+          <p:cNvPr id="6" name="Straight Connector 5">
+            <a:extLst>
+              <a:ext uri="{FF2B5EF4-FFF2-40B4-BE49-F238E27FC236}">
+                <a16:creationId xmlns:a16="http://schemas.microsoft.com/office/drawing/2014/main" id="{50452C61-949B-D66F-538E-BE1CFE68202F}"/>
+              </a:ext>
+            </a:extLst>
+          </p:cNvPr>
+          <p:cNvCxnSpPr>
+            <a:cxnSpLocks/>
+          </p:cNvCxnSpPr>
+          <p:nvPr/>
+        </p:nvCxnSpPr>
+        <p:spPr>
+          <a:xfrm>
+            <a:off x="6579876" y="3040983"/>
+            <a:ext cx="4553802" cy="0"/>
+          </a:xfrm>
+          <a:prstGeom prst="line">
+            <a:avLst/>
+          </a:prstGeom>
+          <a:noFill/>
+          <a:ln w="190500">
+            <a:solidFill>
+              <a:srgbClr val="2F333E"/>
+            </a:solidFill>
+          </a:ln>
+        </p:spPr>
+        <p:style>
+          <a:lnRef idx="2">
+            <a:schemeClr val="accent1">
+              <a:shade val="15000"/>
+            </a:schemeClr>
+          </a:lnRef>
+          <a:fillRef idx="1">
+            <a:schemeClr val="accent1"/>
+          </a:fillRef>
+          <a:effectRef idx="0">
+            <a:schemeClr val="accent1"/>
+          </a:effectRef>
+          <a:fontRef idx="minor">
+            <a:schemeClr val="lt1"/>
+          </a:fontRef>
+        </p:style>
+      </p:cxnSp>
+      <p:cxnSp>
+        <p:nvCxnSpPr>
+          <p:cNvPr id="7" name="Straight Connector 6">
+            <a:extLst>
+              <a:ext uri="{FF2B5EF4-FFF2-40B4-BE49-F238E27FC236}">
+                <a16:creationId xmlns:a16="http://schemas.microsoft.com/office/drawing/2014/main" id="{2040D337-B472-2CCE-FF1C-86726DE45776}"/>
+              </a:ext>
+            </a:extLst>
+          </p:cNvPr>
+          <p:cNvCxnSpPr>
+            <a:cxnSpLocks/>
+          </p:cNvCxnSpPr>
+          <p:nvPr/>
+        </p:nvCxnSpPr>
+        <p:spPr>
+          <a:xfrm>
+            <a:off x="6541285" y="4388300"/>
+            <a:ext cx="4592393" cy="0"/>
+          </a:xfrm>
+          <a:prstGeom prst="line">
+            <a:avLst/>
+          </a:prstGeom>
+          <a:noFill/>
+          <a:ln w="190500">
+            <a:solidFill>
+              <a:srgbClr val="2F333E"/>
+            </a:solidFill>
+          </a:ln>
+        </p:spPr>
+        <p:style>
+          <a:lnRef idx="2">
+            <a:schemeClr val="accent1">
+              <a:shade val="15000"/>
+            </a:schemeClr>
+          </a:lnRef>
+          <a:fillRef idx="1">
+            <a:schemeClr val="accent1"/>
+          </a:fillRef>
+          <a:effectRef idx="0">
+            <a:schemeClr val="accent1"/>
+          </a:effectRef>
+          <a:fontRef idx="minor">
+            <a:schemeClr val="lt1"/>
+          </a:fontRef>
+        </p:style>
+      </p:cxnSp>
+      <p:cxnSp>
+        <p:nvCxnSpPr>
+          <p:cNvPr id="28" name="Straight Connector 27">
+            <a:extLst>
+              <a:ext uri="{FF2B5EF4-FFF2-40B4-BE49-F238E27FC236}">
+                <a16:creationId xmlns:a16="http://schemas.microsoft.com/office/drawing/2014/main" id="{5C45823C-9881-7504-6885-AA9E215CBF25}"/>
+              </a:ext>
+            </a:extLst>
+          </p:cNvPr>
+          <p:cNvCxnSpPr>
+            <a:cxnSpLocks/>
+          </p:cNvCxnSpPr>
+          <p:nvPr/>
+        </p:nvCxnSpPr>
+        <p:spPr>
+          <a:xfrm>
+            <a:off x="9656735" y="3730454"/>
+            <a:ext cx="648000" cy="0"/>
+          </a:xfrm>
+          <a:prstGeom prst="line">
+            <a:avLst/>
+          </a:prstGeom>
+          <a:noFill/>
+          <a:ln w="190500" cap="rnd">
+            <a:solidFill>
+              <a:srgbClr val="2F333E"/>
+            </a:solidFill>
+          </a:ln>
+        </p:spPr>
+        <p:style>
+          <a:lnRef idx="2">
+            <a:schemeClr val="accent1">
+              <a:shade val="15000"/>
+            </a:schemeClr>
+          </a:lnRef>
+          <a:fillRef idx="1">
+            <a:schemeClr val="accent1"/>
+          </a:fillRef>
+          <a:effectRef idx="0">
+            <a:schemeClr val="accent1"/>
+          </a:effectRef>
+          <a:fontRef idx="minor">
+            <a:schemeClr val="lt1"/>
+          </a:fontRef>
+        </p:style>
+      </p:cxnSp>
+      <p:grpSp>
+        <p:nvGrpSpPr>
+          <p:cNvPr id="14" name="Group 13">
+            <a:extLst>
+              <a:ext uri="{FF2B5EF4-FFF2-40B4-BE49-F238E27FC236}">
+                <a16:creationId xmlns:a16="http://schemas.microsoft.com/office/drawing/2014/main" id="{458A45ED-2A1C-B5C3-5ED0-3B115B9830B1}"/>
+              </a:ext>
+            </a:extLst>
+          </p:cNvPr>
+          <p:cNvGrpSpPr/>
+          <p:nvPr/>
+        </p:nvGrpSpPr>
+        <p:grpSpPr>
+          <a:xfrm>
+            <a:off x="7460322" y="4788898"/>
+            <a:ext cx="648000" cy="648000"/>
+            <a:chOff x="1494992" y="4208744"/>
+            <a:chExt cx="648000" cy="648000"/>
+          </a:xfrm>
+        </p:grpSpPr>
+        <p:cxnSp>
+          <p:nvCxnSpPr>
+            <p:cNvPr id="29" name="Straight Connector 28">
+              <a:extLst>
+                <a:ext uri="{FF2B5EF4-FFF2-40B4-BE49-F238E27FC236}">
+                  <a16:creationId xmlns:a16="http://schemas.microsoft.com/office/drawing/2014/main" id="{5E72E001-B3CE-2CB2-EFC0-199912F621EA}"/>
+                </a:ext>
+              </a:extLst>
+            </p:cNvPr>
+            <p:cNvCxnSpPr>
+              <a:cxnSpLocks/>
+            </p:cNvCxnSpPr>
+            <p:nvPr/>
+          </p:nvCxnSpPr>
+          <p:spPr>
+            <a:xfrm rot="2700000">
+              <a:off x="1818992" y="4203075"/>
+              <a:ext cx="0" cy="648000"/>
+            </a:xfrm>
+            <a:prstGeom prst="line">
+              <a:avLst/>
+            </a:prstGeom>
+            <a:noFill/>
+            <a:ln w="190500" cap="rnd">
+              <a:solidFill>
+                <a:srgbClr val="2F333E"/>
+              </a:solidFill>
+            </a:ln>
+          </p:spPr>
+          <p:style>
+            <a:lnRef idx="2">
+              <a:schemeClr val="accent1">
+                <a:shade val="15000"/>
+              </a:schemeClr>
+            </a:lnRef>
+            <a:fillRef idx="1">
+              <a:schemeClr val="accent1"/>
+            </a:fillRef>
+            <a:effectRef idx="0">
+              <a:schemeClr val="accent1"/>
+            </a:effectRef>
+            <a:fontRef idx="minor">
+              <a:schemeClr val="lt1"/>
+            </a:fontRef>
+          </p:style>
+        </p:cxnSp>
+        <p:cxnSp>
+          <p:nvCxnSpPr>
+            <p:cNvPr id="30" name="Straight Connector 29">
+              <a:extLst>
+                <a:ext uri="{FF2B5EF4-FFF2-40B4-BE49-F238E27FC236}">
+                  <a16:creationId xmlns:a16="http://schemas.microsoft.com/office/drawing/2014/main" id="{F14518A9-564E-C895-18F7-0008283AC3A4}"/>
+                </a:ext>
+              </a:extLst>
+            </p:cNvPr>
+            <p:cNvCxnSpPr>
+              <a:cxnSpLocks/>
+            </p:cNvCxnSpPr>
+            <p:nvPr/>
+          </p:nvCxnSpPr>
+          <p:spPr>
+            <a:xfrm rot="2700000">
+              <a:off x="1502023" y="4532744"/>
+              <a:ext cx="648000" cy="0"/>
+            </a:xfrm>
+            <a:prstGeom prst="line">
+              <a:avLst/>
+            </a:prstGeom>
+            <a:noFill/>
+            <a:ln w="190500" cap="rnd">
+              <a:solidFill>
+                <a:srgbClr val="2F333E"/>
+              </a:solidFill>
+            </a:ln>
+          </p:spPr>
+          <p:style>
+            <a:lnRef idx="2">
+              <a:schemeClr val="accent1">
+                <a:shade val="15000"/>
+              </a:schemeClr>
+            </a:lnRef>
+            <a:fillRef idx="1">
+              <a:schemeClr val="accent1"/>
+            </a:fillRef>
+            <a:effectRef idx="0">
+              <a:schemeClr val="accent1"/>
+            </a:effectRef>
+            <a:fontRef idx="minor">
+              <a:schemeClr val="lt1"/>
+            </a:fontRef>
+          </p:style>
+        </p:cxnSp>
+      </p:grpSp>
+      <p:grpSp>
+        <p:nvGrpSpPr>
+          <p:cNvPr id="13" name="Group 12">
+            <a:extLst>
+              <a:ext uri="{FF2B5EF4-FFF2-40B4-BE49-F238E27FC236}">
+                <a16:creationId xmlns:a16="http://schemas.microsoft.com/office/drawing/2014/main" id="{A4D0C7F6-B1E7-BF37-DB1E-D77D4B57C7F1}"/>
+              </a:ext>
+            </a:extLst>
+          </p:cNvPr>
+          <p:cNvGrpSpPr/>
+          <p:nvPr/>
+        </p:nvGrpSpPr>
+        <p:grpSpPr>
+          <a:xfrm>
+            <a:off x="7470837" y="3403346"/>
+            <a:ext cx="648000" cy="648000"/>
+            <a:chOff x="1505507" y="2763928"/>
+            <a:chExt cx="648000" cy="648000"/>
+          </a:xfrm>
+        </p:grpSpPr>
+        <p:cxnSp>
+          <p:nvCxnSpPr>
+            <p:cNvPr id="34" name="Straight Connector 33">
+              <a:extLst>
+                <a:ext uri="{FF2B5EF4-FFF2-40B4-BE49-F238E27FC236}">
+                  <a16:creationId xmlns:a16="http://schemas.microsoft.com/office/drawing/2014/main" id="{48772190-FA36-4D2E-E3A4-58202E4592E0}"/>
+                </a:ext>
+              </a:extLst>
+            </p:cNvPr>
+            <p:cNvCxnSpPr>
+              <a:cxnSpLocks/>
+            </p:cNvCxnSpPr>
+            <p:nvPr/>
+          </p:nvCxnSpPr>
+          <p:spPr>
+            <a:xfrm>
+              <a:off x="1833498" y="2763928"/>
+              <a:ext cx="0" cy="648000"/>
+            </a:xfrm>
+            <a:prstGeom prst="line">
+              <a:avLst/>
+            </a:prstGeom>
+            <a:noFill/>
+            <a:ln w="190500" cap="rnd">
+              <a:solidFill>
+                <a:srgbClr val="2F333E"/>
+              </a:solidFill>
+            </a:ln>
+          </p:spPr>
+          <p:style>
+            <a:lnRef idx="2">
+              <a:schemeClr val="accent1">
+                <a:shade val="15000"/>
+              </a:schemeClr>
+            </a:lnRef>
+            <a:fillRef idx="1">
+              <a:schemeClr val="accent1"/>
+            </a:fillRef>
+            <a:effectRef idx="0">
+              <a:schemeClr val="accent1"/>
+            </a:effectRef>
+            <a:fontRef idx="minor">
+              <a:schemeClr val="lt1"/>
+            </a:fontRef>
+          </p:style>
+        </p:cxnSp>
+        <p:cxnSp>
+          <p:nvCxnSpPr>
+            <p:cNvPr id="35" name="Straight Connector 34">
+              <a:extLst>
+                <a:ext uri="{FF2B5EF4-FFF2-40B4-BE49-F238E27FC236}">
+                  <a16:creationId xmlns:a16="http://schemas.microsoft.com/office/drawing/2014/main" id="{8F7C9234-6C71-C89D-1E73-296570BD78F0}"/>
+                </a:ext>
+              </a:extLst>
+            </p:cNvPr>
+            <p:cNvCxnSpPr>
+              <a:cxnSpLocks/>
+            </p:cNvCxnSpPr>
+            <p:nvPr/>
+          </p:nvCxnSpPr>
+          <p:spPr>
+            <a:xfrm>
+              <a:off x="1505507" y="3104288"/>
+              <a:ext cx="648000" cy="0"/>
+            </a:xfrm>
+            <a:prstGeom prst="line">
+              <a:avLst/>
+            </a:prstGeom>
+            <a:noFill/>
+            <a:ln w="190500" cap="rnd">
+              <a:solidFill>
+                <a:srgbClr val="2F333E"/>
+              </a:solidFill>
+            </a:ln>
+          </p:spPr>
+          <p:style>
+            <a:lnRef idx="2">
+              <a:schemeClr val="accent1">
+                <a:shade val="15000"/>
+              </a:schemeClr>
+            </a:lnRef>
+            <a:fillRef idx="1">
+              <a:schemeClr val="accent1"/>
+            </a:fillRef>
+            <a:effectRef idx="0">
+              <a:schemeClr val="accent1"/>
+            </a:effectRef>
+            <a:fontRef idx="minor">
+              <a:schemeClr val="lt1"/>
+            </a:fontRef>
+          </p:style>
+        </p:cxnSp>
+      </p:grpSp>
+      <p:grpSp>
+        <p:nvGrpSpPr>
+          <p:cNvPr id="15" name="Group 14">
+            <a:extLst>
+              <a:ext uri="{FF2B5EF4-FFF2-40B4-BE49-F238E27FC236}">
+                <a16:creationId xmlns:a16="http://schemas.microsoft.com/office/drawing/2014/main" id="{0146862F-AEF5-D984-B0A6-BEDE22F95792}"/>
+              </a:ext>
+            </a:extLst>
+          </p:cNvPr>
+          <p:cNvGrpSpPr/>
+          <p:nvPr/>
+        </p:nvGrpSpPr>
+        <p:grpSpPr>
+          <a:xfrm>
+            <a:off x="9656735" y="4919101"/>
+            <a:ext cx="648000" cy="323178"/>
+            <a:chOff x="3691405" y="4338947"/>
+            <a:chExt cx="648000" cy="323178"/>
+          </a:xfrm>
+        </p:grpSpPr>
+        <p:cxnSp>
+          <p:nvCxnSpPr>
+            <p:cNvPr id="36" name="Straight Connector 35">
+              <a:extLst>
+                <a:ext uri="{FF2B5EF4-FFF2-40B4-BE49-F238E27FC236}">
+                  <a16:creationId xmlns:a16="http://schemas.microsoft.com/office/drawing/2014/main" id="{62B5A0D1-EE96-8C4E-DBDA-F67497163721}"/>
+                </a:ext>
+              </a:extLst>
+            </p:cNvPr>
+            <p:cNvCxnSpPr>
+              <a:cxnSpLocks/>
+            </p:cNvCxnSpPr>
+            <p:nvPr/>
+          </p:nvCxnSpPr>
+          <p:spPr>
+            <a:xfrm>
+              <a:off x="3691405" y="4662125"/>
+              <a:ext cx="648000" cy="0"/>
+            </a:xfrm>
+            <a:prstGeom prst="line">
+              <a:avLst/>
+            </a:prstGeom>
+            <a:noFill/>
+            <a:ln w="190500" cap="rnd">
+              <a:solidFill>
+                <a:srgbClr val="2F333E"/>
+              </a:solidFill>
+            </a:ln>
+          </p:spPr>
+          <p:style>
+            <a:lnRef idx="2">
+              <a:schemeClr val="accent1">
+                <a:shade val="15000"/>
+              </a:schemeClr>
+            </a:lnRef>
+            <a:fillRef idx="1">
+              <a:schemeClr val="accent1"/>
+            </a:fillRef>
+            <a:effectRef idx="0">
+              <a:schemeClr val="accent1"/>
+            </a:effectRef>
+            <a:fontRef idx="minor">
+              <a:schemeClr val="lt1"/>
+            </a:fontRef>
+          </p:style>
+        </p:cxnSp>
+        <p:cxnSp>
+          <p:nvCxnSpPr>
+            <p:cNvPr id="37" name="Straight Connector 36">
+              <a:extLst>
+                <a:ext uri="{FF2B5EF4-FFF2-40B4-BE49-F238E27FC236}">
+                  <a16:creationId xmlns:a16="http://schemas.microsoft.com/office/drawing/2014/main" id="{DCCBD85F-9938-BCCC-E209-6319B1E2BCA4}"/>
+                </a:ext>
+              </a:extLst>
+            </p:cNvPr>
+            <p:cNvCxnSpPr>
+              <a:cxnSpLocks/>
+            </p:cNvCxnSpPr>
+            <p:nvPr/>
+          </p:nvCxnSpPr>
+          <p:spPr>
+            <a:xfrm>
+              <a:off x="3691405" y="4338947"/>
+              <a:ext cx="648000" cy="0"/>
+            </a:xfrm>
+            <a:prstGeom prst="line">
+              <a:avLst/>
+            </a:prstGeom>
+            <a:noFill/>
+            <a:ln w="190500" cap="rnd">
+              <a:solidFill>
+                <a:srgbClr val="2F333E"/>
+              </a:solidFill>
+            </a:ln>
+          </p:spPr>
+          <p:style>
+            <a:lnRef idx="2">
+              <a:schemeClr val="accent1">
+                <a:shade val="15000"/>
+              </a:schemeClr>
+            </a:lnRef>
+            <a:fillRef idx="1">
+              <a:schemeClr val="accent1"/>
+            </a:fillRef>
+            <a:effectRef idx="0">
+              <a:schemeClr val="accent1"/>
+            </a:effectRef>
+            <a:fontRef idx="minor">
+              <a:schemeClr val="lt1"/>
+            </a:fontRef>
+          </p:style>
+        </p:cxnSp>
+      </p:grpSp>
+      <p:sp>
+        <p:nvSpPr>
+          <p:cNvPr id="4" name="Rounded Rectangle 3">
+            <a:extLst>
+              <a:ext uri="{FF2B5EF4-FFF2-40B4-BE49-F238E27FC236}">
+                <a16:creationId xmlns:a16="http://schemas.microsoft.com/office/drawing/2014/main" id="{A5476921-CD6A-B4BA-2614-5038E63F55FD}"/>
+              </a:ext>
+            </a:extLst>
+          </p:cNvPr>
+          <p:cNvSpPr/>
+          <p:nvPr/>
+        </p:nvSpPr>
+        <p:spPr>
+          <a:xfrm>
+            <a:off x="6579876" y="1156252"/>
+            <a:ext cx="4592392" cy="4545496"/>
+          </a:xfrm>
+          <a:prstGeom prst="roundRect">
+            <a:avLst>
+              <a:gd name="adj" fmla="val 20305"/>
+            </a:avLst>
+          </a:prstGeom>
+          <a:noFill/>
+          <a:ln w="190500">
+            <a:solidFill>
+              <a:srgbClr val="2F333E"/>
+            </a:solidFill>
+          </a:ln>
+        </p:spPr>
+        <p:style>
+          <a:lnRef idx="2">
+            <a:schemeClr val="accent1">
+              <a:shade val="15000"/>
+            </a:schemeClr>
+          </a:lnRef>
+          <a:fillRef idx="1">
+            <a:schemeClr val="accent1"/>
+          </a:fillRef>
+          <a:effectRef idx="0">
+            <a:schemeClr val="accent1"/>
+          </a:effectRef>
+          <a:fontRef idx="minor">
+            <a:schemeClr val="lt1"/>
+          </a:fontRef>
+        </p:style>
+        <p:txBody>
+          <a:bodyPr rtlCol="0" anchor="ctr"/>
+          <a:lstStyle/>
+          <a:p>
+            <a:pPr algn="ctr"/>
+            <a:endParaRPr lang="en-US"/>
+          </a:p>
+        </p:txBody>
+      </p:sp>
+      <p:cxnSp>
+        <p:nvCxnSpPr>
+          <p:cNvPr id="20" name="Straight Connector 19">
+            <a:extLst>
+              <a:ext uri="{FF2B5EF4-FFF2-40B4-BE49-F238E27FC236}">
+                <a16:creationId xmlns:a16="http://schemas.microsoft.com/office/drawing/2014/main" id="{98C8193C-4BA9-5CF4-B609-EAFF733175A2}"/>
+              </a:ext>
+            </a:extLst>
+          </p:cNvPr>
+          <p:cNvCxnSpPr>
+            <a:cxnSpLocks/>
+            <a:stCxn id="4" idx="2"/>
+          </p:cNvCxnSpPr>
+          <p:nvPr/>
+        </p:nvCxnSpPr>
+        <p:spPr>
+          <a:xfrm flipV="1">
+            <a:off x="8876072" y="3040983"/>
+            <a:ext cx="0" cy="2660765"/>
+          </a:xfrm>
+          <a:prstGeom prst="line">
+            <a:avLst/>
+          </a:prstGeom>
+          <a:noFill/>
+          <a:ln w="190500">
+            <a:solidFill>
+              <a:srgbClr val="2F333E"/>
+            </a:solidFill>
+          </a:ln>
+        </p:spPr>
+        <p:style>
+          <a:lnRef idx="2">
+            <a:schemeClr val="accent1">
+              <a:shade val="15000"/>
+            </a:schemeClr>
+          </a:lnRef>
+          <a:fillRef idx="1">
+            <a:schemeClr val="accent1"/>
+          </a:fillRef>
+          <a:effectRef idx="0">
+            <a:schemeClr val="accent1"/>
+          </a:effectRef>
+          <a:fontRef idx="minor">
+            <a:schemeClr val="lt1"/>
+          </a:fontRef>
+        </p:style>
+      </p:cxnSp>
+      <p:sp>
+        <p:nvSpPr>
+          <p:cNvPr id="5" name="TextBox 4">
+            <a:extLst>
+              <a:ext uri="{FF2B5EF4-FFF2-40B4-BE49-F238E27FC236}">
+                <a16:creationId xmlns:a16="http://schemas.microsoft.com/office/drawing/2014/main" id="{E9ABF494-4903-697B-4A17-80AB6D82539C}"/>
+              </a:ext>
+            </a:extLst>
+          </p:cNvPr>
+          <p:cNvSpPr txBox="1"/>
+          <p:nvPr/>
+        </p:nvSpPr>
+        <p:spPr>
+          <a:xfrm>
+            <a:off x="6579876" y="828995"/>
+            <a:ext cx="4592392" cy="2215991"/>
+          </a:xfrm>
+          <a:prstGeom prst="rect">
+            <a:avLst/>
+          </a:prstGeom>
+          <a:noFill/>
+        </p:spPr>
+        <p:txBody>
+          <a:bodyPr wrap="square" rtlCol="0">
+            <a:spAutoFit/>
+          </a:bodyPr>
+          <a:lstStyle/>
+          <a:p>
+            <a:pPr algn="ctr"/>
+            <a:r>
+              <a:rPr lang="en-US" sz="13800">
+                <a:solidFill>
+                  <a:schemeClr val="tx1">
+                    <a:lumMod val="75000"/>
+                    <a:lumOff val="25000"/>
+                  </a:schemeClr>
+                </a:solidFill>
+              </a:rPr>
+              <a:t>zero</a:t>
+            </a:r>
+          </a:p>
+        </p:txBody>
+      </p:sp>
+    </p:spTree>
+    <p:extLst>
+      <p:ext uri="{BB962C8B-B14F-4D97-AF65-F5344CB8AC3E}">
+        <p14:creationId xmlns:p14="http://schemas.microsoft.com/office/powerpoint/2010/main" val="3879681460"/>
+      </p:ext>
+    </p:extLst>
+  </p:cSld>
+  <p:clrMapOvr>
+    <a:masterClrMapping/>
+  </p:clrMapOvr>
+</p:sld>
+</file>
+
+<file path=ppt/slides/slide4.xml><?xml version="1.0" encoding="utf-8"?>
+<p:sld xmlns:a="http://schemas.openxmlformats.org/drawingml/2006/main" xmlns:r="http://schemas.openxmlformats.org/officeDocument/2006/relationships" xmlns:p="http://schemas.openxmlformats.org/presentationml/2006/main">
+  <p:cSld>
+    <p:spTree>
+      <p:nvGrpSpPr>
+        <p:cNvPr id="1" name=""/>
+        <p:cNvGrpSpPr/>
+        <p:nvPr/>
+      </p:nvGrpSpPr>
+      <p:grpSpPr>
+        <a:xfrm>
+          <a:off x="0" y="0"/>
+          <a:ext cx="0" cy="0"/>
+          <a:chOff x="0" y="0"/>
+          <a:chExt cx="0" cy="0"/>
+        </a:xfrm>
+      </p:grpSpPr>
       <p:sp>
         <p:nvSpPr>
           <p:cNvPr id="16" name="Rectangle 15">

--- a/Calculator Icon.pptx
+++ b/Calculator Icon.pptx
@@ -5282,7 +5282,7 @@
         </p:nvSpPr>
         <p:spPr>
           <a:xfrm>
-            <a:off x="6579876" y="828995"/>
+            <a:off x="6579876" y="947533"/>
             <a:ext cx="4592392" cy="2215991"/>
           </a:xfrm>
           <a:prstGeom prst="rect">
@@ -5305,8 +5305,10 @@
                     <a:lumOff val="25000"/>
                   </a:schemeClr>
                 </a:solidFill>
+                <a:ea typeface="STXinwei" panose="02010800040101010101" pitchFamily="2" charset="-122"/>
+                <a:cs typeface="Al Bayan Plain" pitchFamily="2" charset="-78"/>
               </a:rPr>
-              <a:t>zero</a:t>
+              <a:t>One</a:t>
             </a:r>
           </a:p>
         </p:txBody>
@@ -5343,10 +5345,10 @@
       </p:grpSpPr>
       <p:sp>
         <p:nvSpPr>
-          <p:cNvPr id="16" name="Rectangle 15">
-            <a:extLst>
-              <a:ext uri="{FF2B5EF4-FFF2-40B4-BE49-F238E27FC236}">
-                <a16:creationId xmlns:a16="http://schemas.microsoft.com/office/drawing/2014/main" id="{096C7D82-7B8E-BE04-4814-07A01C20846E}"/>
+          <p:cNvPr id="7" name="Oval Callout 6">
+            <a:extLst>
+              <a:ext uri="{FF2B5EF4-FFF2-40B4-BE49-F238E27FC236}">
+                <a16:creationId xmlns:a16="http://schemas.microsoft.com/office/drawing/2014/main" id="{31164692-BAAF-AB0D-FE2E-5D2C2077B277}"/>
               </a:ext>
             </a:extLst>
           </p:cNvPr>
@@ -5355,19 +5357,20 @@
         </p:nvSpPr>
         <p:spPr>
           <a:xfrm>
-            <a:off x="5920977" y="551350"/>
-            <a:ext cx="5871600" cy="5871600"/>
+            <a:off x="3818466" y="1126065"/>
+            <a:ext cx="2108201" cy="1159933"/>
           </a:xfrm>
-          <a:prstGeom prst="rect">
-            <a:avLst/>
+          <a:prstGeom prst="wedgeEllipseCallout">
+            <a:avLst>
+              <a:gd name="adj1" fmla="val 47899"/>
+              <a:gd name="adj2" fmla="val 71260"/>
+            </a:avLst>
           </a:prstGeom>
           <a:solidFill>
-            <a:srgbClr val="EDF0F2"/>
+            <a:srgbClr val="FFC000"/>
           </a:solidFill>
           <a:ln>
-            <a:solidFill>
-              <a:srgbClr val="2F333E"/>
-            </a:solidFill>
+            <a:noFill/>
           </a:ln>
         </p:spPr>
         <p:style>
@@ -5391,37 +5394,44 @@
           <a:lstStyle/>
           <a:p>
             <a:pPr algn="ctr"/>
-            <a:endParaRPr lang="en-US"/>
-          </a:p>
-        </p:txBody>
-      </p:sp>
-      <p:cxnSp>
-        <p:nvCxnSpPr>
-          <p:cNvPr id="6" name="Straight Connector 5">
-            <a:extLst>
-              <a:ext uri="{FF2B5EF4-FFF2-40B4-BE49-F238E27FC236}">
-                <a16:creationId xmlns:a16="http://schemas.microsoft.com/office/drawing/2014/main" id="{50452C61-949B-D66F-538E-BE1CFE68202F}"/>
-              </a:ext>
-            </a:extLst>
-          </p:cNvPr>
-          <p:cNvCxnSpPr>
-            <a:cxnSpLocks/>
-          </p:cNvCxnSpPr>
+            <a:r>
+              <a:rPr lang="en-US" sz="6000"/>
+              <a:t>One</a:t>
+            </a:r>
+            <a:endParaRPr lang="en-US" sz="1100"/>
+          </a:p>
+        </p:txBody>
+      </p:sp>
+      <p:sp>
+        <p:nvSpPr>
+          <p:cNvPr id="3" name="Oval Callout 2">
+            <a:extLst>
+              <a:ext uri="{FF2B5EF4-FFF2-40B4-BE49-F238E27FC236}">
+                <a16:creationId xmlns:a16="http://schemas.microsoft.com/office/drawing/2014/main" id="{823C2E0D-7A3E-DD95-7DAC-F57796D961DC}"/>
+              </a:ext>
+            </a:extLst>
+          </p:cNvPr>
+          <p:cNvSpPr/>
           <p:nvPr/>
-        </p:nvCxnSpPr>
+        </p:nvSpPr>
         <p:spPr>
           <a:xfrm>
-            <a:off x="6579876" y="3429000"/>
-            <a:ext cx="4553802" cy="0"/>
+            <a:off x="3115733" y="1989667"/>
+            <a:ext cx="2201334" cy="1159933"/>
           </a:xfrm>
-          <a:prstGeom prst="line">
-            <a:avLst/>
+          <a:prstGeom prst="wedgeEllipseCallout">
+            <a:avLst>
+              <a:gd name="adj1" fmla="val -31217"/>
+              <a:gd name="adj2" fmla="val 72719"/>
+            </a:avLst>
           </a:prstGeom>
-          <a:noFill/>
-          <a:ln w="190500">
-            <a:solidFill>
-              <a:srgbClr val="2F333E"/>
-            </a:solidFill>
+          <a:solidFill>
+            <a:schemeClr val="bg2">
+              <a:lumMod val="75000"/>
+            </a:schemeClr>
+          </a:solidFill>
+          <a:ln>
+            <a:noFill/>
           </a:ln>
         </p:spPr>
         <p:style>
@@ -5440,144 +5450,16 @@
             <a:schemeClr val="lt1"/>
           </a:fontRef>
         </p:style>
-      </p:cxnSp>
-      <p:sp>
-        <p:nvSpPr>
-          <p:cNvPr id="4" name="Rounded Rectangle 3">
-            <a:extLst>
-              <a:ext uri="{FF2B5EF4-FFF2-40B4-BE49-F238E27FC236}">
-                <a16:creationId xmlns:a16="http://schemas.microsoft.com/office/drawing/2014/main" id="{A5476921-CD6A-B4BA-2614-5038E63F55FD}"/>
-              </a:ext>
-            </a:extLst>
-          </p:cNvPr>
-          <p:cNvSpPr/>
-          <p:nvPr/>
-        </p:nvSpPr>
-        <p:spPr>
-          <a:xfrm>
-            <a:off x="6579876" y="1156252"/>
-            <a:ext cx="4592392" cy="4545496"/>
-          </a:xfrm>
-          <a:prstGeom prst="roundRect">
-            <a:avLst>
-              <a:gd name="adj" fmla="val 20305"/>
-            </a:avLst>
-          </a:prstGeom>
-          <a:noFill/>
-          <a:ln w="190500">
-            <a:solidFill>
-              <a:srgbClr val="2F333E"/>
-            </a:solidFill>
-          </a:ln>
-        </p:spPr>
-        <p:style>
-          <a:lnRef idx="2">
-            <a:schemeClr val="accent1">
-              <a:shade val="15000"/>
-            </a:schemeClr>
-          </a:lnRef>
-          <a:fillRef idx="1">
-            <a:schemeClr val="accent1"/>
-          </a:fillRef>
-          <a:effectRef idx="0">
-            <a:schemeClr val="accent1"/>
-          </a:effectRef>
-          <a:fontRef idx="minor">
-            <a:schemeClr val="lt1"/>
-          </a:fontRef>
-        </p:style>
         <p:txBody>
           <a:bodyPr rtlCol="0" anchor="ctr"/>
           <a:lstStyle/>
           <a:p>
             <a:pPr algn="ctr"/>
+            <a:r>
+              <a:rPr lang="en-US" sz="6600"/>
+              <a:t>1</a:t>
+            </a:r>
             <a:endParaRPr lang="en-US"/>
-          </a:p>
-        </p:txBody>
-      </p:sp>
-      <p:sp>
-        <p:nvSpPr>
-          <p:cNvPr id="2" name="TextBox 1">
-            <a:extLst>
-              <a:ext uri="{FF2B5EF4-FFF2-40B4-BE49-F238E27FC236}">
-                <a16:creationId xmlns:a16="http://schemas.microsoft.com/office/drawing/2014/main" id="{C00D816C-14A7-9711-BBA5-519685E34ADB}"/>
-              </a:ext>
-            </a:extLst>
-          </p:cNvPr>
-          <p:cNvSpPr txBox="1"/>
-          <p:nvPr/>
-        </p:nvSpPr>
-        <p:spPr>
-          <a:xfrm>
-            <a:off x="6579876" y="1099931"/>
-            <a:ext cx="4592392" cy="2215991"/>
-          </a:xfrm>
-          <a:prstGeom prst="rect">
-            <a:avLst/>
-          </a:prstGeom>
-          <a:noFill/>
-        </p:spPr>
-        <p:txBody>
-          <a:bodyPr wrap="square" rtlCol="0">
-            <a:spAutoFit/>
-          </a:bodyPr>
-          <a:lstStyle/>
-          <a:p>
-            <a:pPr algn="ctr"/>
-            <a:r>
-              <a:rPr lang="en-US" sz="13800">
-                <a:solidFill>
-                  <a:schemeClr val="tx1">
-                    <a:lumMod val="75000"/>
-                    <a:lumOff val="25000"/>
-                  </a:schemeClr>
-                </a:solidFill>
-              </a:rPr>
-              <a:t>zero</a:t>
-            </a:r>
-          </a:p>
-        </p:txBody>
-      </p:sp>
-      <p:sp>
-        <p:nvSpPr>
-          <p:cNvPr id="5" name="TextBox 4">
-            <a:extLst>
-              <a:ext uri="{FF2B5EF4-FFF2-40B4-BE49-F238E27FC236}">
-                <a16:creationId xmlns:a16="http://schemas.microsoft.com/office/drawing/2014/main" id="{0D1AC428-D491-5145-EF45-29427D265694}"/>
-              </a:ext>
-            </a:extLst>
-          </p:cNvPr>
-          <p:cNvSpPr txBox="1"/>
-          <p:nvPr/>
-        </p:nvSpPr>
-        <p:spPr>
-          <a:xfrm>
-            <a:off x="6579876" y="3435190"/>
-            <a:ext cx="4592392" cy="2215991"/>
-          </a:xfrm>
-          <a:prstGeom prst="rect">
-            <a:avLst/>
-          </a:prstGeom>
-          <a:noFill/>
-        </p:spPr>
-        <p:txBody>
-          <a:bodyPr wrap="square" rtlCol="0">
-            <a:spAutoFit/>
-          </a:bodyPr>
-          <a:lstStyle/>
-          <a:p>
-            <a:pPr algn="ctr"/>
-            <a:r>
-              <a:rPr lang="en-US" sz="13800">
-                <a:solidFill>
-                  <a:schemeClr val="tx1">
-                    <a:lumMod val="75000"/>
-                    <a:lumOff val="25000"/>
-                  </a:schemeClr>
-                </a:solidFill>
-              </a:rPr>
-              <a:t>0</a:t>
-            </a:r>
           </a:p>
         </p:txBody>
       </p:sp>
